--- a/template/pptx_templates/Pastel.pptx
+++ b/template/pptx_templates/Pastel.pptx
@@ -36874,8 +36874,8 @@
         </p:nvSpPr>
         <p:spPr>
           <a:xfrm>
-            <a:off x="1093269" y="1201124"/>
-            <a:ext cx="2808000" cy="755700"/>
+            <a:off x="838014" y="461530"/>
+            <a:ext cx="3050580" cy="1246385"/>
           </a:xfrm>
           <a:prstGeom prst="rect">
             <a:avLst/>
@@ -37003,8 +37003,8 @@
         </p:nvSpPr>
         <p:spPr>
           <a:xfrm>
-            <a:off x="985869" y="1665128"/>
-            <a:ext cx="2915400" cy="2508600"/>
+            <a:off x="768671" y="1737877"/>
+            <a:ext cx="3214162" cy="3105217"/>
           </a:xfrm>
           <a:prstGeom prst="rect">
             <a:avLst/>
@@ -37024,7 +37024,7 @@
               </a:spcAft>
               <a:buSzPts val="1200"/>
               <a:buChar char="●"/>
-              <a:defRPr sz="2000"/>
+              <a:defRPr sz="1600"/>
             </a:lvl1pPr>
             <a:lvl2pPr marL="914400" lvl="1" indent="-304800">
               <a:spcBef>

--- a/template/pptx_templates/Pastel.pptx
+++ b/template/pptx_templates/Pastel.pptx
@@ -746,7 +746,7 @@
               </a:spcAft>
               <a:buSzPts val="4800"/>
               <a:buNone/>
-              <a:defRPr sz="4800" b="1"/>
+              <a:defRPr sz="3200" b="1"/>
             </a:lvl1pPr>
             <a:lvl2pPr lvl="1" algn="ctr">
               <a:spcBef>
@@ -46862,7 +46862,7 @@
           <a:bodyPr/>
           <a:lstStyle/>
           <a:p>
-            <a:endParaRPr lang="en-CN"/>
+            <a:endParaRPr lang="en-CN" dirty="0"/>
           </a:p>
         </p:txBody>
       </p:sp>

--- a/template/pptx_templates/Pastel.pptx
+++ b/template/pptx_templates/Pastel.pptx
@@ -37003,7 +37003,7 @@
         </p:nvSpPr>
         <p:spPr>
           <a:xfrm>
-            <a:off x="768671" y="1737877"/>
+            <a:off x="728613" y="1308918"/>
             <a:ext cx="3214162" cy="3105217"/>
           </a:xfrm>
           <a:prstGeom prst="rect">
